--- a/5A 斎藤颯太/ライフラインチャート.pptx
+++ b/5A 斎藤颯太/ライフラインチャート.pptx
@@ -227,7 +227,7 @@
           <a:p>
             <a:fld id="{E4F444AF-8D9C-465B-972A-D7C4CC8203BC}" type="datetimeFigureOut">
               <a:rPr kumimoji="1" lang="ja-JP" altLang="en-US" smtClean="0"/>
-              <a:t>2023/6/15</a:t>
+              <a:t>2023/6/29</a:t>
             </a:fld>
             <a:endParaRPr kumimoji="1" lang="ja-JP" altLang="en-US"/>
           </a:p>
@@ -706,7 +706,7 @@
             <a:fld id="{9EB1C959-CE1A-4C0F-8D49-0B2D8E607B79}" type="datetimeFigureOut">
               <a:rPr kumimoji="1" lang="ja-JP" altLang="en-US" smtClean="0"/>
               <a:pPr/>
-              <a:t>2023/6/15</a:t>
+              <a:t>2023/6/29</a:t>
             </a:fld>
             <a:endParaRPr kumimoji="1" lang="ja-JP" altLang="en-US"/>
           </a:p>
@@ -903,7 +903,7 @@
             <a:fld id="{9EB1C959-CE1A-4C0F-8D49-0B2D8E607B79}" type="datetimeFigureOut">
               <a:rPr kumimoji="1" lang="ja-JP" altLang="en-US" smtClean="0"/>
               <a:pPr/>
-              <a:t>2023/6/15</a:t>
+              <a:t>2023/6/29</a:t>
             </a:fld>
             <a:endParaRPr kumimoji="1" lang="ja-JP" altLang="en-US"/>
           </a:p>
@@ -1110,7 +1110,7 @@
             <a:fld id="{9EB1C959-CE1A-4C0F-8D49-0B2D8E607B79}" type="datetimeFigureOut">
               <a:rPr kumimoji="1" lang="ja-JP" altLang="en-US" smtClean="0"/>
               <a:pPr/>
-              <a:t>2023/6/15</a:t>
+              <a:t>2023/6/29</a:t>
             </a:fld>
             <a:endParaRPr kumimoji="1" lang="ja-JP" altLang="en-US"/>
           </a:p>
@@ -1307,7 +1307,7 @@
             <a:fld id="{9EB1C959-CE1A-4C0F-8D49-0B2D8E607B79}" type="datetimeFigureOut">
               <a:rPr kumimoji="1" lang="ja-JP" altLang="en-US" smtClean="0"/>
               <a:pPr/>
-              <a:t>2023/6/15</a:t>
+              <a:t>2023/6/29</a:t>
             </a:fld>
             <a:endParaRPr kumimoji="1" lang="ja-JP" altLang="en-US"/>
           </a:p>
@@ -1549,7 +1549,7 @@
             <a:fld id="{9EB1C959-CE1A-4C0F-8D49-0B2D8E607B79}" type="datetimeFigureOut">
               <a:rPr kumimoji="1" lang="ja-JP" altLang="en-US" smtClean="0"/>
               <a:pPr/>
-              <a:t>2023/6/15</a:t>
+              <a:t>2023/6/29</a:t>
             </a:fld>
             <a:endParaRPr kumimoji="1" lang="ja-JP" altLang="en-US"/>
           </a:p>
@@ -1895,7 +1895,7 @@
             <a:fld id="{9EB1C959-CE1A-4C0F-8D49-0B2D8E607B79}" type="datetimeFigureOut">
               <a:rPr kumimoji="1" lang="ja-JP" altLang="en-US" smtClean="0"/>
               <a:pPr/>
-              <a:t>2023/6/15</a:t>
+              <a:t>2023/6/29</a:t>
             </a:fld>
             <a:endParaRPr kumimoji="1" lang="ja-JP" altLang="en-US"/>
           </a:p>
@@ -2375,7 +2375,7 @@
             <a:fld id="{9EB1C959-CE1A-4C0F-8D49-0B2D8E607B79}" type="datetimeFigureOut">
               <a:rPr kumimoji="1" lang="ja-JP" altLang="en-US" smtClean="0"/>
               <a:pPr/>
-              <a:t>2023/6/15</a:t>
+              <a:t>2023/6/29</a:t>
             </a:fld>
             <a:endParaRPr kumimoji="1" lang="ja-JP" altLang="en-US"/>
           </a:p>
@@ -2489,7 +2489,7 @@
             <a:fld id="{9EB1C959-CE1A-4C0F-8D49-0B2D8E607B79}" type="datetimeFigureOut">
               <a:rPr kumimoji="1" lang="ja-JP" altLang="en-US" smtClean="0"/>
               <a:pPr/>
-              <a:t>2023/6/15</a:t>
+              <a:t>2023/6/29</a:t>
             </a:fld>
             <a:endParaRPr kumimoji="1" lang="ja-JP" altLang="en-US"/>
           </a:p>
@@ -2581,7 +2581,7 @@
             <a:fld id="{9EB1C959-CE1A-4C0F-8D49-0B2D8E607B79}" type="datetimeFigureOut">
               <a:rPr kumimoji="1" lang="ja-JP" altLang="en-US" smtClean="0"/>
               <a:pPr/>
-              <a:t>2023/6/15</a:t>
+              <a:t>2023/6/29</a:t>
             </a:fld>
             <a:endParaRPr kumimoji="1" lang="ja-JP" altLang="en-US"/>
           </a:p>
@@ -2885,7 +2885,7 @@
             <a:fld id="{9EB1C959-CE1A-4C0F-8D49-0B2D8E607B79}" type="datetimeFigureOut">
               <a:rPr kumimoji="1" lang="ja-JP" altLang="en-US" smtClean="0"/>
               <a:pPr/>
-              <a:t>2023/6/15</a:t>
+              <a:t>2023/6/29</a:t>
             </a:fld>
             <a:endParaRPr kumimoji="1" lang="ja-JP" altLang="en-US"/>
           </a:p>
@@ -3134,7 +3134,7 @@
             <a:fld id="{9EB1C959-CE1A-4C0F-8D49-0B2D8E607B79}" type="datetimeFigureOut">
               <a:rPr kumimoji="1" lang="ja-JP" altLang="en-US" smtClean="0"/>
               <a:pPr/>
-              <a:t>2023/6/15</a:t>
+              <a:t>2023/6/29</a:t>
             </a:fld>
             <a:endParaRPr kumimoji="1" lang="ja-JP" altLang="en-US"/>
           </a:p>
@@ -3374,7 +3374,7 @@
             <a:fld id="{9EB1C959-CE1A-4C0F-8D49-0B2D8E607B79}" type="datetimeFigureOut">
               <a:rPr kumimoji="1" lang="ja-JP" altLang="en-US" smtClean="0"/>
               <a:pPr/>
-              <a:t>2023/6/15</a:t>
+              <a:t>2023/6/29</a:t>
             </a:fld>
             <a:endParaRPr kumimoji="1" lang="ja-JP" altLang="en-US"/>
           </a:p>
@@ -5891,15 +5891,23 @@
             <a:pPr algn="ctr"/>
             <a:r>
               <a:rPr lang="ja-JP" altLang="en-US" sz="1100" dirty="0"/>
-              <a:t>部活のマネージャーでのプレッシャーと</a:t>
+              <a:t>部活のマネージャーの仕事の</a:t>
             </a:r>
             <a:endParaRPr lang="en-US" altLang="ja-JP" sz="1100" dirty="0"/>
           </a:p>
           <a:p>
             <a:pPr algn="ctr"/>
             <a:r>
+              <a:rPr lang="ja-JP" altLang="en-US" sz="1100" dirty="0"/>
+              <a:t>プレッシャーと</a:t>
+            </a:r>
+            <a:endParaRPr lang="en-US" altLang="ja-JP" sz="1100" dirty="0"/>
+          </a:p>
+          <a:p>
+            <a:pPr algn="ctr"/>
+            <a:r>
               <a:rPr kumimoji="1" lang="ja-JP" altLang="en-US" sz="1100" dirty="0"/>
-              <a:t>家での母親のアルコール依存症に悩まされ精神安定剤が必要になる</a:t>
+              <a:t>家での母親のアルコール依存症に悩まされ精神安定薬が必要になる</a:t>
             </a:r>
           </a:p>
         </p:txBody>
@@ -6164,14 +6172,14 @@
           <p:nvPr>
             <p:extLst>
               <p:ext uri="{D42A27DB-BD31-4B8C-83A1-F6EECF244321}">
-                <p14:modId xmlns:p14="http://schemas.microsoft.com/office/powerpoint/2010/main" val="2940651759"/>
+                <p14:modId xmlns:p14="http://schemas.microsoft.com/office/powerpoint/2010/main" val="4076911162"/>
               </p:ext>
             </p:extLst>
           </p:nvPr>
         </p:nvGraphicFramePr>
         <p:xfrm>
           <a:off x="179512" y="629980"/>
-          <a:ext cx="8784976" cy="6039381"/>
+          <a:ext cx="8784976" cy="8270317"/>
         </p:xfrm>
         <a:graphic>
           <a:graphicData uri="http://schemas.openxmlformats.org/drawingml/2006/table">
@@ -6409,7 +6417,14 @@
                     <a:bodyPr/>
                     <a:lstStyle/>
                     <a:p>
-                      <a:endParaRPr kumimoji="1" lang="ja-JP" altLang="en-US" sz="900" dirty="0">
+                      <a:r>
+                        <a:rPr kumimoji="1" lang="ja-JP" altLang="en-US" sz="900" dirty="0">
+                          <a:latin typeface="+mn-ea"/>
+                          <a:ea typeface="+mn-ea"/>
+                        </a:rPr>
+                        <a:t>いじめにあって引きこもりになる</a:t>
+                      </a:r>
+                      <a:endParaRPr kumimoji="1" lang="en-US" altLang="ja-JP" sz="900" dirty="0">
                         <a:latin typeface="+mn-ea"/>
                         <a:ea typeface="+mn-ea"/>
                       </a:endParaRPr>
@@ -6423,6 +6438,45 @@
                   <a:txBody>
                     <a:bodyPr/>
                     <a:lstStyle/>
+                    <a:p>
+                      <a:r>
+                        <a:rPr kumimoji="1" lang="ja-JP" altLang="en-US" sz="900" dirty="0">
+                          <a:latin typeface="+mn-ea"/>
+                          <a:ea typeface="+mn-ea"/>
+                        </a:rPr>
+                        <a:t>バスケ部</a:t>
+                      </a:r>
+                      <a:endParaRPr kumimoji="1" lang="en-US" altLang="ja-JP" sz="900" dirty="0">
+                        <a:latin typeface="+mn-ea"/>
+                        <a:ea typeface="+mn-ea"/>
+                      </a:endParaRPr>
+                    </a:p>
+                    <a:p>
+                      <a:r>
+                        <a:rPr kumimoji="1" lang="ja-JP" altLang="en-US" sz="900" dirty="0">
+                          <a:latin typeface="+mn-ea"/>
+                          <a:ea typeface="+mn-ea"/>
+                        </a:rPr>
+                        <a:t>・高校では３２人部員がいた</a:t>
+                      </a:r>
+                      <a:endParaRPr kumimoji="1" lang="en-US" altLang="ja-JP" sz="900" dirty="0">
+                        <a:latin typeface="+mn-ea"/>
+                        <a:ea typeface="+mn-ea"/>
+                      </a:endParaRPr>
+                    </a:p>
+                    <a:p>
+                      <a:r>
+                        <a:rPr kumimoji="1" lang="ja-JP" altLang="en-US" sz="900" dirty="0">
+                          <a:latin typeface="+mn-ea"/>
+                          <a:ea typeface="+mn-ea"/>
+                        </a:rPr>
+                        <a:t>・選手兼マネージャーでチーム全体の体調管理やメンバー表の作成、大会の道順や相手のデータを調べる係りをしていた</a:t>
+                      </a:r>
+                      <a:endParaRPr kumimoji="1" lang="en-US" altLang="ja-JP" sz="900" dirty="0">
+                        <a:latin typeface="+mn-ea"/>
+                        <a:ea typeface="+mn-ea"/>
+                      </a:endParaRPr>
+                    </a:p>
                     <a:p>
                       <a:endParaRPr kumimoji="1" lang="ja-JP" altLang="en-US" sz="900" dirty="0">
                         <a:latin typeface="+mn-ea"/>
@@ -6439,10 +6493,13 @@
                     <a:bodyPr/>
                     <a:lstStyle/>
                     <a:p>
-                      <a:endParaRPr kumimoji="1" lang="ja-JP" altLang="en-US" sz="900" dirty="0">
-                        <a:latin typeface="+mn-ea"/>
-                        <a:ea typeface="+mn-ea"/>
-                      </a:endParaRPr>
+                      <a:r>
+                        <a:rPr kumimoji="1" lang="ja-JP" altLang="en-US" sz="900" dirty="0">
+                          <a:latin typeface="+mn-ea"/>
+                          <a:ea typeface="+mn-ea"/>
+                        </a:rPr>
+                        <a:t>進路を決める</a:t>
+                      </a:r>
                     </a:p>
                   </a:txBody>
                   <a:tcPr>
@@ -6615,7 +6672,14 @@
                     <a:bodyPr/>
                     <a:lstStyle/>
                     <a:p>
-                      <a:endParaRPr kumimoji="1" lang="ja-JP" altLang="en-US" sz="900" dirty="0">
+                      <a:r>
+                        <a:rPr kumimoji="1" lang="ja-JP" altLang="en-US" sz="900" dirty="0">
+                          <a:latin typeface="+mn-ea"/>
+                          <a:ea typeface="+mn-ea"/>
+                        </a:rPr>
+                        <a:t>小学四年生に親が離婚したことをきっかけにいじめにあうようになり。中学校に入るといじめがエスカレート、親ともうまくいかず部屋に引きこもるようになる。</a:t>
+                      </a:r>
+                      <a:endParaRPr kumimoji="1" lang="en-US" altLang="ja-JP" sz="900" dirty="0">
                         <a:latin typeface="+mn-ea"/>
                         <a:ea typeface="+mn-ea"/>
                       </a:endParaRPr>
@@ -6629,6 +6693,32 @@
                   <a:txBody>
                     <a:bodyPr/>
                     <a:lstStyle/>
+                    <a:p>
+                      <a:r>
+                        <a:rPr kumimoji="1" lang="ja-JP" altLang="en-US" sz="900" dirty="0">
+                          <a:latin typeface="+mn-ea"/>
+                          <a:ea typeface="+mn-ea"/>
+                        </a:rPr>
+                        <a:t>中学一年から始めて途中で転校して中学二年～高校一年まではテニス部に所属していたがバスケがしたいため高校一年の途中でバスケ部に転部、高校生活の約三年間やっていた。</a:t>
+                      </a:r>
+                      <a:endParaRPr kumimoji="1" lang="en-US" altLang="ja-JP" sz="900" dirty="0">
+                        <a:latin typeface="+mn-ea"/>
+                        <a:ea typeface="+mn-ea"/>
+                      </a:endParaRPr>
+                    </a:p>
+                    <a:p>
+                      <a:r>
+                        <a:rPr kumimoji="1" lang="ja-JP" altLang="en-US" sz="900" dirty="0">
+                          <a:latin typeface="+mn-ea"/>
+                          <a:ea typeface="+mn-ea"/>
+                        </a:rPr>
+                        <a:t>もともと運動はできたがあまりスポーツに興味がなかったが友達の勧めで始めることをきっかけにバスケの魅力にはまるようになった。</a:t>
+                      </a:r>
+                      <a:endParaRPr kumimoji="1" lang="en-US" altLang="ja-JP" sz="900" dirty="0">
+                        <a:latin typeface="+mn-ea"/>
+                        <a:ea typeface="+mn-ea"/>
+                      </a:endParaRPr>
+                    </a:p>
                     <a:p>
                       <a:endParaRPr kumimoji="1" lang="ja-JP" altLang="en-US" sz="900" dirty="0">
                         <a:latin typeface="+mn-ea"/>
@@ -6645,10 +6735,13 @@
                     <a:bodyPr/>
                     <a:lstStyle/>
                     <a:p>
-                      <a:endParaRPr kumimoji="1" lang="ja-JP" altLang="en-US" sz="900" dirty="0">
-                        <a:latin typeface="+mn-ea"/>
-                        <a:ea typeface="+mn-ea"/>
-                      </a:endParaRPr>
+                      <a:r>
+                        <a:rPr kumimoji="1" lang="ja-JP" altLang="en-US" sz="900" dirty="0">
+                          <a:latin typeface="+mn-ea"/>
+                          <a:ea typeface="+mn-ea"/>
+                        </a:rPr>
+                        <a:t>高校一年では元々乗馬を習っていて動物と触れ合うのが好きだったこともありインストラクターになろうとするが父親との仲直りをきっかけに進路について話したときに自分が本気で取り組みたいことをしなさいという後押しもあり高校からの紹介で専門学校東京クールジャパンに進路を決める。</a:t>
+                      </a:r>
                     </a:p>
                   </a:txBody>
                   <a:tcPr>
@@ -6776,20 +6869,57 @@
                     <a:bodyPr/>
                     <a:lstStyle/>
                     <a:p>
-                      <a:endParaRPr kumimoji="1" lang="ja-JP" altLang="en-US" sz="900" dirty="0">
+                      <a:r>
+                        <a:rPr kumimoji="1" lang="ja-JP" altLang="en-US" sz="900" dirty="0">
+                          <a:latin typeface="+mn-ea"/>
+                          <a:ea typeface="+mn-ea"/>
+                        </a:rPr>
+                        <a:t>いじめられる原因もわからず担任の先生も取り合ってくれなかったが親が校長先生に取り合ってくれたので話し合いにはなったのだが</a:t>
+                      </a:r>
+                      <a:endParaRPr kumimoji="1" lang="en-US" altLang="ja-JP" sz="900" dirty="0">
                         <a:latin typeface="+mn-ea"/>
                         <a:ea typeface="+mn-ea"/>
                       </a:endParaRPr>
                     </a:p>
-                  </a:txBody>
-                  <a:tcPr>
-                    <a:noFill/>
-                  </a:tcPr>
-                </a:tc>
-                <a:tc>
-                  <a:txBody>
-                    <a:bodyPr/>
-                    <a:lstStyle/>
+                    <a:p>
+                      <a:r>
+                        <a:rPr kumimoji="1" lang="ja-JP" altLang="en-US" sz="900" dirty="0">
+                          <a:latin typeface="+mn-ea"/>
+                          <a:ea typeface="+mn-ea"/>
+                        </a:rPr>
+                        <a:t>いじめてきた人たちの虚言で自分も悪い扱いにされ親も信じてくれずそこから人間不信になる。</a:t>
+                      </a:r>
+                      <a:endParaRPr kumimoji="1" lang="en-US" altLang="ja-JP" sz="900" dirty="0">
+                        <a:latin typeface="+mn-ea"/>
+                        <a:ea typeface="+mn-ea"/>
+                      </a:endParaRPr>
+                    </a:p>
+                    <a:p>
+                      <a:r>
+                        <a:rPr kumimoji="1" lang="ja-JP" altLang="en-US" sz="900" dirty="0">
+                          <a:latin typeface="+mn-ea"/>
+                          <a:ea typeface="+mn-ea"/>
+                        </a:rPr>
+                        <a:t>中学になると思春期真っ只中で気持ちはぐちゃぐちゃ、信用してないから常に敵対していて学校に行かず一人で外に出歩くようになり親のお金を盗むこともあった。</a:t>
+                      </a:r>
+                      <a:endParaRPr kumimoji="1" lang="en-US" altLang="ja-JP" sz="900" dirty="0">
+                        <a:latin typeface="+mn-ea"/>
+                        <a:ea typeface="+mn-ea"/>
+                      </a:endParaRPr>
+                    </a:p>
+                    <a:p>
+                      <a:r>
+                        <a:rPr kumimoji="1" lang="ja-JP" altLang="en-US" sz="900" dirty="0">
+                          <a:latin typeface="+mn-ea"/>
+                          <a:ea typeface="+mn-ea"/>
+                        </a:rPr>
+                        <a:t>もちろんそのたびに叱られ殴られたりした。最終的には外にも出ず部屋に引きこもるようになった。</a:t>
+                      </a:r>
+                      <a:endParaRPr kumimoji="1" lang="en-US" altLang="ja-JP" sz="900" dirty="0">
+                        <a:latin typeface="+mn-ea"/>
+                        <a:ea typeface="+mn-ea"/>
+                      </a:endParaRPr>
+                    </a:p>
                     <a:p>
                       <a:endParaRPr kumimoji="1" lang="ja-JP" altLang="en-US" sz="900" dirty="0">
                         <a:latin typeface="+mn-ea"/>
@@ -6806,10 +6936,131 @@
                     <a:bodyPr/>
                     <a:lstStyle/>
                     <a:p>
+                      <a:r>
+                        <a:rPr kumimoji="1" lang="ja-JP" altLang="en-US" sz="900" dirty="0">
+                          <a:latin typeface="+mn-ea"/>
+                          <a:ea typeface="+mn-ea"/>
+                        </a:rPr>
+                        <a:t>初心者から初めて先輩たちの技術を見て盗んでいたが自分のプレイスタイルに合わなかったので</a:t>
+                      </a:r>
+                      <a:endParaRPr kumimoji="1" lang="en-US" altLang="ja-JP" sz="900" dirty="0">
+                        <a:latin typeface="+mn-ea"/>
+                        <a:ea typeface="+mn-ea"/>
+                      </a:endParaRPr>
+                    </a:p>
+                    <a:p>
+                      <a:r>
+                        <a:rPr kumimoji="1" lang="ja-JP" altLang="en-US" sz="900" dirty="0">
+                          <a:latin typeface="+mn-ea"/>
+                          <a:ea typeface="+mn-ea"/>
+                        </a:rPr>
+                        <a:t>動画などで調べてポジションにあった動きを学んで知識を身につけて実践して改良したりを繰り返してレギュラーを勝ち取った。</a:t>
+                      </a:r>
+                      <a:endParaRPr kumimoji="1" lang="en-US" altLang="ja-JP" sz="900" dirty="0">
+                        <a:latin typeface="+mn-ea"/>
+                        <a:ea typeface="+mn-ea"/>
+                      </a:endParaRPr>
+                    </a:p>
+                    <a:p>
+                      <a:r>
+                        <a:rPr kumimoji="1" lang="ja-JP" altLang="en-US" sz="900" dirty="0">
+                          <a:latin typeface="+mn-ea"/>
+                          <a:ea typeface="+mn-ea"/>
+                        </a:rPr>
+                        <a:t>大変だったことは、先輩たちが引退して自分たちが主役になったときに周りに満場一致でマネージャーに選ばれたのだが、顧問の先生に期待されてチームの体調管理とケアだけでなく、メンバー表の作成や試合までの道順、相手の情報を集めることをして、選手としての両立がとても大変だった。</a:t>
+                      </a:r>
+                      <a:endParaRPr kumimoji="1" lang="en-US" altLang="ja-JP" sz="900" dirty="0">
+                        <a:latin typeface="+mn-ea"/>
+                        <a:ea typeface="+mn-ea"/>
+                      </a:endParaRPr>
+                    </a:p>
+                    <a:p>
+                      <a:r>
+                        <a:rPr kumimoji="1" lang="ja-JP" altLang="en-US" sz="900" dirty="0">
+                          <a:latin typeface="+mn-ea"/>
+                          <a:ea typeface="+mn-ea"/>
+                        </a:rPr>
+                        <a:t>総体で地区予選優勝になったときはとても達成感に満ちていたが惜しくも県大会ベスト</a:t>
+                      </a:r>
+                      <a:r>
+                        <a:rPr kumimoji="1" lang="en-US" altLang="ja-JP" sz="900" dirty="0">
+                          <a:latin typeface="+mn-ea"/>
+                          <a:ea typeface="+mn-ea"/>
+                        </a:rPr>
+                        <a:t>32</a:t>
+                      </a:r>
+                      <a:r>
+                        <a:rPr kumimoji="1" lang="ja-JP" altLang="en-US" sz="900" dirty="0">
+                          <a:latin typeface="+mn-ea"/>
+                          <a:ea typeface="+mn-ea"/>
+                        </a:rPr>
+                        <a:t>で終わってしまったのが悔しかった。</a:t>
+                      </a:r>
+                    </a:p>
+                    <a:p>
                       <a:endParaRPr kumimoji="1" lang="ja-JP" altLang="en-US" sz="900" dirty="0">
                         <a:latin typeface="+mn-ea"/>
                         <a:ea typeface="+mn-ea"/>
                       </a:endParaRPr>
+                    </a:p>
+                  </a:txBody>
+                  <a:tcPr>
+                    <a:noFill/>
+                  </a:tcPr>
+                </a:tc>
+                <a:tc>
+                  <a:txBody>
+                    <a:bodyPr/>
+                    <a:lstStyle/>
+                    <a:p>
+                      <a:r>
+                        <a:rPr kumimoji="1" lang="ja-JP" altLang="en-US" sz="900" dirty="0">
+                          <a:latin typeface="+mn-ea"/>
+                          <a:ea typeface="+mn-ea"/>
+                        </a:rPr>
+                        <a:t>高校は商業高等だったのでパソコンの知識やビジネスについて学ぶ学校だった。もともと</a:t>
+                      </a:r>
+                      <a:r>
+                        <a:rPr kumimoji="1" lang="en-US" altLang="ja-JP" sz="900" dirty="0">
+                          <a:latin typeface="+mn-ea"/>
+                          <a:ea typeface="+mn-ea"/>
+                        </a:rPr>
+                        <a:t>PC</a:t>
+                      </a:r>
+                      <a:r>
+                        <a:rPr kumimoji="1" lang="ja-JP" altLang="en-US" sz="900" dirty="0">
+                          <a:latin typeface="+mn-ea"/>
+                          <a:ea typeface="+mn-ea"/>
+                        </a:rPr>
+                        <a:t>関係に強かったこともあり、</a:t>
+                      </a:r>
+                      <a:r>
+                        <a:rPr kumimoji="1" lang="en-US" altLang="ja-JP" sz="900" dirty="0">
+                          <a:latin typeface="+mn-ea"/>
+                          <a:ea typeface="+mn-ea"/>
+                        </a:rPr>
+                        <a:t>PC</a:t>
+                      </a:r>
+                      <a:r>
+                        <a:rPr kumimoji="1" lang="ja-JP" altLang="en-US" sz="900" dirty="0">
+                          <a:latin typeface="+mn-ea"/>
+                          <a:ea typeface="+mn-ea"/>
+                        </a:rPr>
+                        <a:t>関係の仕事をしたいと思っていた。</a:t>
+                      </a:r>
+                      <a:endParaRPr kumimoji="1" lang="en-US" altLang="ja-JP" sz="900" dirty="0">
+                        <a:latin typeface="+mn-ea"/>
+                        <a:ea typeface="+mn-ea"/>
+                      </a:endParaRPr>
+                    </a:p>
+                    <a:p>
+                      <a:r>
+                        <a:rPr kumimoji="1" lang="ja-JP" altLang="en-US" sz="900" dirty="0">
+                          <a:latin typeface="+mn-ea"/>
+                          <a:ea typeface="+mn-ea"/>
+                        </a:rPr>
+                        <a:t>高校二年で専門学校東京クールジャパンの紹介を学校からされてゲームプログラマーの存在を知り興味があり体験に参加して自分が学びたいことがここで学べると確信して進路を決めた。</a:t>
+                      </a:r>
                     </a:p>
                   </a:txBody>
                   <a:tcPr>
@@ -6909,7 +7160,53 @@
                     <a:bodyPr/>
                     <a:lstStyle/>
                     <a:p>
-                      <a:endParaRPr kumimoji="1" lang="ja-JP" altLang="en-US" sz="900" dirty="0">
+                      <a:r>
+                        <a:rPr kumimoji="1" lang="ja-JP" altLang="en-US" sz="900" dirty="0">
+                          <a:latin typeface="+mn-ea"/>
+                          <a:ea typeface="+mn-ea"/>
+                        </a:rPr>
+                        <a:t>ただ、それでも自分自身が悪いことをしているのもわかっていて変わらないといけないという気持ちもあり母親の実家に逃げた。</a:t>
+                      </a:r>
+                      <a:endParaRPr kumimoji="1" lang="en-US" altLang="ja-JP" sz="900" dirty="0">
+                        <a:latin typeface="+mn-ea"/>
+                        <a:ea typeface="+mn-ea"/>
+                      </a:endParaRPr>
+                    </a:p>
+                    <a:p>
+                      <a:r>
+                        <a:rPr kumimoji="1" lang="ja-JP" altLang="en-US" sz="900" dirty="0">
+                          <a:latin typeface="+mn-ea"/>
+                          <a:ea typeface="+mn-ea"/>
+                        </a:rPr>
+                        <a:t>ただ、母親は元々酒癖が悪くアルコール依存症の傾向にあり口は悪く理不尽なことが多く弁当を自分で作ることも多々あった。転校した中学でも面白くない理由でいじめにあった。</a:t>
+                      </a:r>
+                      <a:endParaRPr kumimoji="1" lang="en-US" altLang="ja-JP" sz="900" dirty="0">
+                        <a:latin typeface="+mn-ea"/>
+                        <a:ea typeface="+mn-ea"/>
+                      </a:endParaRPr>
+                    </a:p>
+                    <a:p>
+                      <a:r>
+                        <a:rPr kumimoji="1" lang="ja-JP" altLang="en-US" sz="900" dirty="0">
+                          <a:latin typeface="+mn-ea"/>
+                          <a:ea typeface="+mn-ea"/>
+                        </a:rPr>
+                        <a:t>さらに暗く気持ちは沈んでいた。</a:t>
+                      </a:r>
+                      <a:endParaRPr kumimoji="1" lang="en-US" altLang="ja-JP" sz="900" dirty="0">
+                        <a:latin typeface="+mn-ea"/>
+                        <a:ea typeface="+mn-ea"/>
+                      </a:endParaRPr>
+                    </a:p>
+                    <a:p>
+                      <a:r>
+                        <a:rPr kumimoji="1" lang="ja-JP" altLang="en-US" sz="900" dirty="0">
+                          <a:latin typeface="+mn-ea"/>
+                          <a:ea typeface="+mn-ea"/>
+                        </a:rPr>
+                        <a:t>ただ、逃げることはだめだという気持ちが自分を強くして、なんとか中学生活と高校生活を乗り切った。</a:t>
+                      </a:r>
+                      <a:endParaRPr kumimoji="1" lang="en-US" altLang="ja-JP" sz="900" dirty="0">
                         <a:latin typeface="+mn-ea"/>
                         <a:ea typeface="+mn-ea"/>
                       </a:endParaRPr>
@@ -6923,6 +7220,45 @@
                   <a:txBody>
                     <a:bodyPr/>
                     <a:lstStyle/>
+                    <a:p>
+                      <a:r>
+                        <a:rPr kumimoji="1" lang="ja-JP" altLang="en-US" sz="900" dirty="0">
+                          <a:latin typeface="+mn-ea"/>
+                          <a:ea typeface="+mn-ea"/>
+                        </a:rPr>
+                        <a:t>期待されているからきつく言われることもあるし学べることがほかの人の二倍あるということを知った。また、周りのペースや相手がどうしていのかの気持ちを汲み取ることが周りをまとめることで必要なことだと学んだ。</a:t>
+                      </a:r>
+                      <a:endParaRPr kumimoji="1" lang="en-US" altLang="ja-JP" sz="900" dirty="0">
+                        <a:latin typeface="+mn-ea"/>
+                        <a:ea typeface="+mn-ea"/>
+                      </a:endParaRPr>
+                    </a:p>
+                    <a:p>
+                      <a:r>
+                        <a:rPr kumimoji="1" lang="ja-JP" altLang="en-US" sz="900" dirty="0">
+                          <a:latin typeface="+mn-ea"/>
+                          <a:ea typeface="+mn-ea"/>
+                        </a:rPr>
+                        <a:t>迷ったことはとりあえずやってみる。失敗はしたほうが得しかない</a:t>
+                      </a:r>
+                      <a:endParaRPr kumimoji="1" lang="en-US" altLang="ja-JP" sz="900" dirty="0">
+                        <a:latin typeface="+mn-ea"/>
+                        <a:ea typeface="+mn-ea"/>
+                      </a:endParaRPr>
+                    </a:p>
+                    <a:p>
+                      <a:r>
+                        <a:rPr kumimoji="1" lang="ja-JP" altLang="en-US" sz="900" dirty="0">
+                          <a:latin typeface="+mn-ea"/>
+                          <a:ea typeface="+mn-ea"/>
+                        </a:rPr>
+                        <a:t>繰り返さなければ完璧。</a:t>
+                      </a:r>
+                      <a:endParaRPr kumimoji="1" lang="en-US" altLang="ja-JP" sz="900" dirty="0">
+                        <a:latin typeface="+mn-ea"/>
+                        <a:ea typeface="+mn-ea"/>
+                      </a:endParaRPr>
+                    </a:p>
                     <a:p>
                       <a:endParaRPr kumimoji="1" lang="ja-JP" altLang="en-US" sz="900" dirty="0">
                         <a:latin typeface="+mn-ea"/>
@@ -6939,10 +7275,52 @@
                     <a:bodyPr/>
                     <a:lstStyle/>
                     <a:p>
-                      <a:endParaRPr kumimoji="1" lang="ja-JP" altLang="en-US" sz="900" dirty="0">
+                      <a:r>
+                        <a:rPr kumimoji="1" lang="ja-JP" altLang="en-US" sz="900" dirty="0">
+                          <a:latin typeface="+mn-ea"/>
+                          <a:ea typeface="+mn-ea"/>
+                        </a:rPr>
+                        <a:t>当初は母親がお金を出してくれる予定だったのだが急に払えないといわれたが父親の支えで出してくれることになった。</a:t>
+                      </a:r>
+                      <a:endParaRPr kumimoji="1" lang="en-US" altLang="ja-JP" sz="900" dirty="0">
                         <a:latin typeface="+mn-ea"/>
                         <a:ea typeface="+mn-ea"/>
                       </a:endParaRPr>
+                    </a:p>
+                    <a:p>
+                      <a:r>
+                        <a:rPr kumimoji="1" lang="ja-JP" altLang="en-US" sz="900" dirty="0">
+                          <a:latin typeface="+mn-ea"/>
+                          <a:ea typeface="+mn-ea"/>
+                        </a:rPr>
+                        <a:t>初めて父親にごめんなさいといえることができた自分にとって一番大きい気持ちの変化と出来事である。</a:t>
+                      </a:r>
+                      <a:endParaRPr kumimoji="1" lang="en-US" altLang="ja-JP" sz="900" dirty="0">
+                        <a:latin typeface="+mn-ea"/>
+                        <a:ea typeface="+mn-ea"/>
+                      </a:endParaRPr>
+                    </a:p>
+                    <a:p>
+                      <a:r>
+                        <a:rPr kumimoji="1" lang="ja-JP" altLang="en-US" sz="900" dirty="0">
+                          <a:latin typeface="+mn-ea"/>
+                          <a:ea typeface="+mn-ea"/>
+                        </a:rPr>
+                        <a:t>どんなにどん底まで暗くても逃げずに前に進めば明るくなることを学んだ。</a:t>
+                      </a:r>
+                      <a:endParaRPr kumimoji="1" lang="en-US" altLang="ja-JP" sz="900" dirty="0">
+                        <a:latin typeface="+mn-ea"/>
+                        <a:ea typeface="+mn-ea"/>
+                      </a:endParaRPr>
+                    </a:p>
+                    <a:p>
+                      <a:r>
+                        <a:rPr kumimoji="1" lang="ja-JP" altLang="en-US" sz="900" dirty="0">
+                          <a:latin typeface="+mn-ea"/>
+                          <a:ea typeface="+mn-ea"/>
+                        </a:rPr>
+                        <a:t>親は愛情があって心配しない親はいないということ。</a:t>
+                      </a:r>
                     </a:p>
                   </a:txBody>
                   <a:tcPr>
